--- a/mkdocs_tc/site/hi229/common_figures/block.pptx
+++ b/mkdocs_tc/site/hi229/common_figures/block.pptx
@@ -6,6 +6,8 @@
   </p:sldMasterIdLst>
   <p:sldIdLst>
     <p:sldId id="256" r:id="rId2"/>
+    <p:sldId id="257" r:id="rId3"/>
+    <p:sldId id="258" r:id="rId4"/>
   </p:sldIdLst>
   <p:sldSz cx="12192000" cy="6858000"/>
   <p:notesSz cx="6858000" cy="9144000"/>
@@ -259,7 +261,7 @@
           <a:p>
             <a:fld id="{F1F8C674-523D-4F16-B407-0D1031FC19FC}" type="datetimeFigureOut">
               <a:rPr lang="zh-CN" altLang="en-US" smtClean="0"/>
-              <a:t>2019/1/19</a:t>
+              <a:t>2020/5/27</a:t>
             </a:fld>
             <a:endParaRPr lang="zh-CN" altLang="en-US"/>
           </a:p>
@@ -457,7 +459,7 @@
           <a:p>
             <a:fld id="{F1F8C674-523D-4F16-B407-0D1031FC19FC}" type="datetimeFigureOut">
               <a:rPr lang="zh-CN" altLang="en-US" smtClean="0"/>
-              <a:t>2019/1/19</a:t>
+              <a:t>2020/5/27</a:t>
             </a:fld>
             <a:endParaRPr lang="zh-CN" altLang="en-US"/>
           </a:p>
@@ -665,7 +667,7 @@
           <a:p>
             <a:fld id="{F1F8C674-523D-4F16-B407-0D1031FC19FC}" type="datetimeFigureOut">
               <a:rPr lang="zh-CN" altLang="en-US" smtClean="0"/>
-              <a:t>2019/1/19</a:t>
+              <a:t>2020/5/27</a:t>
             </a:fld>
             <a:endParaRPr lang="zh-CN" altLang="en-US"/>
           </a:p>
@@ -863,7 +865,7 @@
           <a:p>
             <a:fld id="{F1F8C674-523D-4F16-B407-0D1031FC19FC}" type="datetimeFigureOut">
               <a:rPr lang="zh-CN" altLang="en-US" smtClean="0"/>
-              <a:t>2019/1/19</a:t>
+              <a:t>2020/5/27</a:t>
             </a:fld>
             <a:endParaRPr lang="zh-CN" altLang="en-US"/>
           </a:p>
@@ -1138,7 +1140,7 @@
           <a:p>
             <a:fld id="{F1F8C674-523D-4F16-B407-0D1031FC19FC}" type="datetimeFigureOut">
               <a:rPr lang="zh-CN" altLang="en-US" smtClean="0"/>
-              <a:t>2019/1/19</a:t>
+              <a:t>2020/5/27</a:t>
             </a:fld>
             <a:endParaRPr lang="zh-CN" altLang="en-US"/>
           </a:p>
@@ -1403,7 +1405,7 @@
           <a:p>
             <a:fld id="{F1F8C674-523D-4F16-B407-0D1031FC19FC}" type="datetimeFigureOut">
               <a:rPr lang="zh-CN" altLang="en-US" smtClean="0"/>
-              <a:t>2019/1/19</a:t>
+              <a:t>2020/5/27</a:t>
             </a:fld>
             <a:endParaRPr lang="zh-CN" altLang="en-US"/>
           </a:p>
@@ -1815,7 +1817,7 @@
           <a:p>
             <a:fld id="{F1F8C674-523D-4F16-B407-0D1031FC19FC}" type="datetimeFigureOut">
               <a:rPr lang="zh-CN" altLang="en-US" smtClean="0"/>
-              <a:t>2019/1/19</a:t>
+              <a:t>2020/5/27</a:t>
             </a:fld>
             <a:endParaRPr lang="zh-CN" altLang="en-US"/>
           </a:p>
@@ -1956,7 +1958,7 @@
           <a:p>
             <a:fld id="{F1F8C674-523D-4F16-B407-0D1031FC19FC}" type="datetimeFigureOut">
               <a:rPr lang="zh-CN" altLang="en-US" smtClean="0"/>
-              <a:t>2019/1/19</a:t>
+              <a:t>2020/5/27</a:t>
             </a:fld>
             <a:endParaRPr lang="zh-CN" altLang="en-US"/>
           </a:p>
@@ -2069,7 +2071,7 @@
           <a:p>
             <a:fld id="{F1F8C674-523D-4F16-B407-0D1031FC19FC}" type="datetimeFigureOut">
               <a:rPr lang="zh-CN" altLang="en-US" smtClean="0"/>
-              <a:t>2019/1/19</a:t>
+              <a:t>2020/5/27</a:t>
             </a:fld>
             <a:endParaRPr lang="zh-CN" altLang="en-US"/>
           </a:p>
@@ -2380,7 +2382,7 @@
           <a:p>
             <a:fld id="{F1F8C674-523D-4F16-B407-0D1031FC19FC}" type="datetimeFigureOut">
               <a:rPr lang="zh-CN" altLang="en-US" smtClean="0"/>
-              <a:t>2019/1/19</a:t>
+              <a:t>2020/5/27</a:t>
             </a:fld>
             <a:endParaRPr lang="zh-CN" altLang="en-US"/>
           </a:p>
@@ -2668,7 +2670,7 @@
           <a:p>
             <a:fld id="{F1F8C674-523D-4F16-B407-0D1031FC19FC}" type="datetimeFigureOut">
               <a:rPr lang="zh-CN" altLang="en-US" smtClean="0"/>
-              <a:t>2019/1/19</a:t>
+              <a:t>2020/5/27</a:t>
             </a:fld>
             <a:endParaRPr lang="zh-CN" altLang="en-US"/>
           </a:p>
@@ -2909,7 +2911,7 @@
           <a:p>
             <a:fld id="{F1F8C674-523D-4F16-B407-0D1031FC19FC}" type="datetimeFigureOut">
               <a:rPr lang="zh-CN" altLang="en-US" smtClean="0"/>
-              <a:t>2019/1/19</a:t>
+              <a:t>2020/5/27</a:t>
             </a:fld>
             <a:endParaRPr lang="zh-CN" altLang="en-US"/>
           </a:p>
@@ -4036,6 +4038,1048 @@
 </p:sld>
 </file>
 
+<file path=ppt/slides/slide2.xml><?xml version="1.0" encoding="utf-8"?>
+<p:sld xmlns:a="http://schemas.openxmlformats.org/drawingml/2006/main" xmlns:r="http://schemas.openxmlformats.org/officeDocument/2006/relationships" xmlns:p="http://schemas.openxmlformats.org/presentationml/2006/main">
+  <p:cSld>
+    <p:spTree>
+      <p:nvGrpSpPr>
+        <p:cNvPr id="1" name=""/>
+        <p:cNvGrpSpPr/>
+        <p:nvPr/>
+      </p:nvGrpSpPr>
+      <p:grpSpPr>
+        <a:xfrm>
+          <a:off x="0" y="0"/>
+          <a:ext cx="0" cy="0"/>
+          <a:chOff x="0" y="0"/>
+          <a:chExt cx="0" cy="0"/>
+        </a:xfrm>
+      </p:grpSpPr>
+      <p:cxnSp>
+        <p:nvCxnSpPr>
+          <p:cNvPr id="5" name="直接连接符 4">
+            <a:extLst>
+              <a:ext uri="{FF2B5EF4-FFF2-40B4-BE49-F238E27FC236}">
+                <a16:creationId xmlns:a16="http://schemas.microsoft.com/office/drawing/2014/main" id="{8BDD9E04-909D-4856-800C-937C46EB2462}"/>
+              </a:ext>
+            </a:extLst>
+          </p:cNvPr>
+          <p:cNvCxnSpPr>
+            <a:cxnSpLocks/>
+          </p:cNvCxnSpPr>
+          <p:nvPr/>
+        </p:nvCxnSpPr>
+        <p:spPr>
+          <a:xfrm>
+            <a:off x="2500209" y="1718606"/>
+            <a:ext cx="0" cy="3088482"/>
+          </a:xfrm>
+          <a:prstGeom prst="line">
+            <a:avLst/>
+          </a:prstGeom>
+          <a:ln w="47625"/>
+        </p:spPr>
+        <p:style>
+          <a:lnRef idx="1">
+            <a:schemeClr val="dk1"/>
+          </a:lnRef>
+          <a:fillRef idx="0">
+            <a:schemeClr val="dk1"/>
+          </a:fillRef>
+          <a:effectRef idx="0">
+            <a:schemeClr val="dk1"/>
+          </a:effectRef>
+          <a:fontRef idx="minor">
+            <a:schemeClr val="tx1"/>
+          </a:fontRef>
+        </p:style>
+      </p:cxnSp>
+      <p:sp>
+        <p:nvSpPr>
+          <p:cNvPr id="8" name="文本框 7">
+            <a:extLst>
+              <a:ext uri="{FF2B5EF4-FFF2-40B4-BE49-F238E27FC236}">
+                <a16:creationId xmlns:a16="http://schemas.microsoft.com/office/drawing/2014/main" id="{2AAE6ED9-9630-406D-9CD9-25C34B359140}"/>
+              </a:ext>
+            </a:extLst>
+          </p:cNvPr>
+          <p:cNvSpPr txBox="1"/>
+          <p:nvPr/>
+        </p:nvSpPr>
+        <p:spPr>
+          <a:xfrm>
+            <a:off x="2143443" y="1296440"/>
+            <a:ext cx="1473737" cy="400110"/>
+          </a:xfrm>
+          <a:prstGeom prst="rect">
+            <a:avLst/>
+          </a:prstGeom>
+          <a:noFill/>
+        </p:spPr>
+        <p:txBody>
+          <a:bodyPr wrap="square" rtlCol="0">
+            <a:spAutoFit/>
+          </a:bodyPr>
+          <a:lstStyle/>
+          <a:p>
+            <a:r>
+              <a:rPr lang="en-US" altLang="zh-CN" sz="2000" b="1" dirty="0"/>
+              <a:t>Host</a:t>
+            </a:r>
+            <a:endParaRPr lang="zh-CN" altLang="en-US" sz="2000" b="1" dirty="0"/>
+          </a:p>
+        </p:txBody>
+      </p:sp>
+      <p:cxnSp>
+        <p:nvCxnSpPr>
+          <p:cNvPr id="9" name="直接连接符 8">
+            <a:extLst>
+              <a:ext uri="{FF2B5EF4-FFF2-40B4-BE49-F238E27FC236}">
+                <a16:creationId xmlns:a16="http://schemas.microsoft.com/office/drawing/2014/main" id="{A2173BDD-5EDB-4CB5-BC3E-446B88E076A7}"/>
+              </a:ext>
+            </a:extLst>
+          </p:cNvPr>
+          <p:cNvCxnSpPr>
+            <a:cxnSpLocks/>
+          </p:cNvCxnSpPr>
+          <p:nvPr/>
+        </p:nvCxnSpPr>
+        <p:spPr>
+          <a:xfrm>
+            <a:off x="6210725" y="1718606"/>
+            <a:ext cx="0" cy="3088482"/>
+          </a:xfrm>
+          <a:prstGeom prst="line">
+            <a:avLst/>
+          </a:prstGeom>
+          <a:ln w="47625"/>
+        </p:spPr>
+        <p:style>
+          <a:lnRef idx="1">
+            <a:schemeClr val="dk1"/>
+          </a:lnRef>
+          <a:fillRef idx="0">
+            <a:schemeClr val="dk1"/>
+          </a:fillRef>
+          <a:effectRef idx="0">
+            <a:schemeClr val="dk1"/>
+          </a:effectRef>
+          <a:fontRef idx="minor">
+            <a:schemeClr val="tx1"/>
+          </a:fontRef>
+        </p:style>
+      </p:cxnSp>
+      <p:sp>
+        <p:nvSpPr>
+          <p:cNvPr id="10" name="文本框 9">
+            <a:extLst>
+              <a:ext uri="{FF2B5EF4-FFF2-40B4-BE49-F238E27FC236}">
+                <a16:creationId xmlns:a16="http://schemas.microsoft.com/office/drawing/2014/main" id="{6029DEAE-7298-4BE0-A964-67D3441684BB}"/>
+              </a:ext>
+            </a:extLst>
+          </p:cNvPr>
+          <p:cNvSpPr txBox="1"/>
+          <p:nvPr/>
+        </p:nvSpPr>
+        <p:spPr>
+          <a:xfrm>
+            <a:off x="5781261" y="1294259"/>
+            <a:ext cx="1473737" cy="400110"/>
+          </a:xfrm>
+          <a:prstGeom prst="rect">
+            <a:avLst/>
+          </a:prstGeom>
+          <a:noFill/>
+        </p:spPr>
+        <p:txBody>
+          <a:bodyPr wrap="square" rtlCol="0">
+            <a:spAutoFit/>
+          </a:bodyPr>
+          <a:lstStyle/>
+          <a:p>
+            <a:r>
+              <a:rPr lang="en-US" altLang="zh-CN" sz="2000" b="1" dirty="0"/>
+              <a:t>Target</a:t>
+            </a:r>
+            <a:endParaRPr lang="zh-CN" altLang="en-US" sz="2000" b="1" dirty="0"/>
+          </a:p>
+        </p:txBody>
+      </p:sp>
+      <p:cxnSp>
+        <p:nvCxnSpPr>
+          <p:cNvPr id="12" name="直接箭头连接符 11">
+            <a:extLst>
+              <a:ext uri="{FF2B5EF4-FFF2-40B4-BE49-F238E27FC236}">
+                <a16:creationId xmlns:a16="http://schemas.microsoft.com/office/drawing/2014/main" id="{67DA7796-96E2-42A0-864D-D64FEB4817C7}"/>
+              </a:ext>
+            </a:extLst>
+          </p:cNvPr>
+          <p:cNvCxnSpPr>
+            <a:cxnSpLocks/>
+          </p:cNvCxnSpPr>
+          <p:nvPr/>
+        </p:nvCxnSpPr>
+        <p:spPr>
+          <a:xfrm>
+            <a:off x="2640160" y="1994170"/>
+            <a:ext cx="3479260" cy="554477"/>
+          </a:xfrm>
+          <a:prstGeom prst="straightConnector1">
+            <a:avLst/>
+          </a:prstGeom>
+          <a:ln>
+            <a:tailEnd type="triangle"/>
+          </a:ln>
+        </p:spPr>
+        <p:style>
+          <a:lnRef idx="1">
+            <a:schemeClr val="dk1"/>
+          </a:lnRef>
+          <a:fillRef idx="0">
+            <a:schemeClr val="dk1"/>
+          </a:fillRef>
+          <a:effectRef idx="0">
+            <a:schemeClr val="dk1"/>
+          </a:effectRef>
+          <a:fontRef idx="minor">
+            <a:schemeClr val="tx1"/>
+          </a:fontRef>
+        </p:style>
+      </p:cxnSp>
+      <p:sp>
+        <p:nvSpPr>
+          <p:cNvPr id="14" name="文本框 13">
+            <a:extLst>
+              <a:ext uri="{FF2B5EF4-FFF2-40B4-BE49-F238E27FC236}">
+                <a16:creationId xmlns:a16="http://schemas.microsoft.com/office/drawing/2014/main" id="{02C19575-54A3-4E5A-9974-183AD3C5CCA5}"/>
+              </a:ext>
+            </a:extLst>
+          </p:cNvPr>
+          <p:cNvSpPr txBox="1"/>
+          <p:nvPr/>
+        </p:nvSpPr>
+        <p:spPr>
+          <a:xfrm rot="585846">
+            <a:off x="3788678" y="1896519"/>
+            <a:ext cx="1182224" cy="369332"/>
+          </a:xfrm>
+          <a:prstGeom prst="rect">
+            <a:avLst/>
+          </a:prstGeom>
+          <a:noFill/>
+        </p:spPr>
+        <p:txBody>
+          <a:bodyPr wrap="square" rtlCol="0">
+            <a:spAutoFit/>
+          </a:bodyPr>
+          <a:lstStyle/>
+          <a:p>
+            <a:r>
+              <a:rPr lang="zh-CN" altLang="en-US" dirty="0"/>
+              <a:t>读寄存器</a:t>
+            </a:r>
+          </a:p>
+        </p:txBody>
+      </p:sp>
+      <p:sp>
+        <p:nvSpPr>
+          <p:cNvPr id="15" name="文本框 14">
+            <a:extLst>
+              <a:ext uri="{FF2B5EF4-FFF2-40B4-BE49-F238E27FC236}">
+                <a16:creationId xmlns:a16="http://schemas.microsoft.com/office/drawing/2014/main" id="{2DE28249-90DB-4EBD-98C7-A18B80C10683}"/>
+              </a:ext>
+            </a:extLst>
+          </p:cNvPr>
+          <p:cNvSpPr txBox="1"/>
+          <p:nvPr/>
+        </p:nvSpPr>
+        <p:spPr>
+          <a:xfrm rot="543861">
+            <a:off x="2742094" y="2282961"/>
+            <a:ext cx="3376588" cy="276999"/>
+          </a:xfrm>
+          <a:prstGeom prst="rect">
+            <a:avLst/>
+          </a:prstGeom>
+          <a:noFill/>
+          <a:scene3d>
+            <a:camera prst="orthographicFront">
+              <a:rot lat="0" lon="0" rev="0"/>
+            </a:camera>
+            <a:lightRig rig="threePt" dir="t"/>
+          </a:scene3d>
+        </p:spPr>
+        <p:txBody>
+          <a:bodyPr wrap="square" rtlCol="0">
+            <a:spAutoFit/>
+          </a:bodyPr>
+          <a:lstStyle/>
+          <a:p>
+            <a:r>
+              <a:rPr lang="zh-CN" altLang="zh-CN" sz="1200" dirty="0">
+                <a:solidFill>
+                  <a:srgbClr val="333333"/>
+                </a:solidFill>
+                <a:latin typeface="Lato" panose="020F0502020204030203" pitchFamily="34" charset="0"/>
+              </a:rPr>
+              <a:t>5A A4 04 00 69 95 80 00 00 01 </a:t>
+            </a:r>
+            <a:r>
+              <a:rPr lang="en-US" altLang="zh-CN" sz="1200" dirty="0">
+                <a:solidFill>
+                  <a:srgbClr val="333333"/>
+                </a:solidFill>
+                <a:latin typeface="Lato" panose="020F0502020204030203" pitchFamily="34" charset="0"/>
+              </a:rPr>
+              <a:t>(</a:t>
+            </a:r>
+            <a:r>
+              <a:rPr lang="zh-CN" altLang="en-US" sz="1200" dirty="0">
+                <a:solidFill>
+                  <a:srgbClr val="333333"/>
+                </a:solidFill>
+                <a:latin typeface="Lato" panose="020F0502020204030203" pitchFamily="34" charset="0"/>
+              </a:rPr>
+              <a:t>读寄存器</a:t>
+            </a:r>
+            <a:r>
+              <a:rPr lang="en-US" altLang="zh-CN" sz="1200" dirty="0">
+                <a:solidFill>
+                  <a:srgbClr val="333333"/>
+                </a:solidFill>
+                <a:latin typeface="Lato" panose="020F0502020204030203" pitchFamily="34" charset="0"/>
+              </a:rPr>
+              <a:t>0)</a:t>
+            </a:r>
+            <a:r>
+              <a:rPr lang="zh-CN" altLang="zh-CN" sz="800" dirty="0"/>
+              <a:t> </a:t>
+            </a:r>
+            <a:endParaRPr lang="zh-CN" altLang="zh-CN" dirty="0">
+              <a:latin typeface="Arial" panose="020B0604020202020204" pitchFamily="34" charset="0"/>
+            </a:endParaRPr>
+          </a:p>
+        </p:txBody>
+      </p:sp>
+      <p:cxnSp>
+        <p:nvCxnSpPr>
+          <p:cNvPr id="17" name="直接箭头连接符 16">
+            <a:extLst>
+              <a:ext uri="{FF2B5EF4-FFF2-40B4-BE49-F238E27FC236}">
+                <a16:creationId xmlns:a16="http://schemas.microsoft.com/office/drawing/2014/main" id="{E35ADE81-C0D2-4DBF-87BC-9C3C00CFA63A}"/>
+              </a:ext>
+            </a:extLst>
+          </p:cNvPr>
+          <p:cNvCxnSpPr>
+            <a:cxnSpLocks/>
+          </p:cNvCxnSpPr>
+          <p:nvPr/>
+        </p:nvCxnSpPr>
+        <p:spPr>
+          <a:xfrm flipH="1">
+            <a:off x="2640160" y="3822970"/>
+            <a:ext cx="3455840" cy="486384"/>
+          </a:xfrm>
+          <a:prstGeom prst="straightConnector1">
+            <a:avLst/>
+          </a:prstGeom>
+          <a:ln>
+            <a:tailEnd type="triangle"/>
+          </a:ln>
+        </p:spPr>
+        <p:style>
+          <a:lnRef idx="1">
+            <a:schemeClr val="dk1"/>
+          </a:lnRef>
+          <a:fillRef idx="0">
+            <a:schemeClr val="dk1"/>
+          </a:fillRef>
+          <a:effectRef idx="0">
+            <a:schemeClr val="dk1"/>
+          </a:effectRef>
+          <a:fontRef idx="minor">
+            <a:schemeClr val="tx1"/>
+          </a:fontRef>
+        </p:style>
+      </p:cxnSp>
+      <p:sp>
+        <p:nvSpPr>
+          <p:cNvPr id="23" name="文本框 22">
+            <a:extLst>
+              <a:ext uri="{FF2B5EF4-FFF2-40B4-BE49-F238E27FC236}">
+                <a16:creationId xmlns:a16="http://schemas.microsoft.com/office/drawing/2014/main" id="{79707015-5AAA-4A5C-AC58-AB2A0AE12339}"/>
+              </a:ext>
+            </a:extLst>
+          </p:cNvPr>
+          <p:cNvSpPr txBox="1"/>
+          <p:nvPr/>
+        </p:nvSpPr>
+        <p:spPr>
+          <a:xfrm rot="21124436">
+            <a:off x="3368936" y="3692807"/>
+            <a:ext cx="2198021" cy="369332"/>
+          </a:xfrm>
+          <a:prstGeom prst="rect">
+            <a:avLst/>
+          </a:prstGeom>
+          <a:noFill/>
+        </p:spPr>
+        <p:txBody>
+          <a:bodyPr wrap="square" rtlCol="0">
+            <a:spAutoFit/>
+          </a:bodyPr>
+          <a:lstStyle/>
+          <a:p>
+            <a:r>
+              <a:rPr lang="zh-CN" altLang="en-US" dirty="0"/>
+              <a:t>返回寄存器数据</a:t>
+            </a:r>
+          </a:p>
+        </p:txBody>
+      </p:sp>
+      <p:sp>
+        <p:nvSpPr>
+          <p:cNvPr id="24" name="文本框 23">
+            <a:extLst>
+              <a:ext uri="{FF2B5EF4-FFF2-40B4-BE49-F238E27FC236}">
+                <a16:creationId xmlns:a16="http://schemas.microsoft.com/office/drawing/2014/main" id="{19C7491A-85F6-46E2-B17E-C3C231F49965}"/>
+              </a:ext>
+            </a:extLst>
+          </p:cNvPr>
+          <p:cNvSpPr txBox="1"/>
+          <p:nvPr/>
+        </p:nvSpPr>
+        <p:spPr>
+          <a:xfrm rot="21116539">
+            <a:off x="2753155" y="4045195"/>
+            <a:ext cx="3727608" cy="430887"/>
+          </a:xfrm>
+          <a:prstGeom prst="rect">
+            <a:avLst/>
+          </a:prstGeom>
+          <a:noFill/>
+          <a:scene3d>
+            <a:camera prst="orthographicFront">
+              <a:rot lat="0" lon="0" rev="0"/>
+            </a:camera>
+            <a:lightRig rig="threePt" dir="t"/>
+          </a:scene3d>
+        </p:spPr>
+        <p:txBody>
+          <a:bodyPr wrap="square" rtlCol="0">
+            <a:spAutoFit/>
+          </a:bodyPr>
+          <a:lstStyle/>
+          <a:p>
+            <a:pPr lvl="0" eaLnBrk="0" fontAlgn="base" hangingPunct="0">
+              <a:spcBef>
+                <a:spcPct val="0"/>
+              </a:spcBef>
+              <a:spcAft>
+                <a:spcPct val="0"/>
+              </a:spcAft>
+            </a:pPr>
+            <a:r>
+              <a:rPr lang="zh-CN" altLang="zh-CN" sz="1100" dirty="0">
+                <a:solidFill>
+                  <a:srgbClr val="333333"/>
+                </a:solidFill>
+                <a:latin typeface="Lato" panose="020F0502020204030203" pitchFamily="34" charset="0"/>
+              </a:rPr>
+              <a:t>5A A5 04 00 61 E2 64 00 43 48</a:t>
+            </a:r>
+            <a:r>
+              <a:rPr lang="en-US" altLang="zh-CN" sz="1100" dirty="0">
+                <a:solidFill>
+                  <a:srgbClr val="333333"/>
+                </a:solidFill>
+                <a:latin typeface="Lato" panose="020F0502020204030203" pitchFamily="34" charset="0"/>
+              </a:rPr>
+              <a:t>(</a:t>
+            </a:r>
+            <a:r>
+              <a:rPr lang="zh-CN" altLang="en-US" sz="1100" dirty="0">
+                <a:solidFill>
+                  <a:srgbClr val="333333"/>
+                </a:solidFill>
+                <a:latin typeface="Lato" panose="020F0502020204030203" pitchFamily="34" charset="0"/>
+              </a:rPr>
+              <a:t>返回寄存器</a:t>
+            </a:r>
+            <a:r>
+              <a:rPr lang="en-US" altLang="zh-CN" sz="1100" dirty="0">
+                <a:solidFill>
+                  <a:srgbClr val="333333"/>
+                </a:solidFill>
+                <a:latin typeface="Lato" panose="020F0502020204030203" pitchFamily="34" charset="0"/>
+              </a:rPr>
+              <a:t>0</a:t>
+            </a:r>
+            <a:r>
+              <a:rPr lang="zh-CN" altLang="en-US" sz="1100" dirty="0">
+                <a:solidFill>
+                  <a:srgbClr val="333333"/>
+                </a:solidFill>
+                <a:latin typeface="Lato" panose="020F0502020204030203" pitchFamily="34" charset="0"/>
+              </a:rPr>
+              <a:t>数据</a:t>
+            </a:r>
+            <a:r>
+              <a:rPr lang="en-US" altLang="zh-CN" sz="1100" dirty="0">
+                <a:solidFill>
+                  <a:srgbClr val="333333"/>
+                </a:solidFill>
+                <a:latin typeface="Lato" panose="020F0502020204030203" pitchFamily="34" charset="0"/>
+              </a:rPr>
+              <a:t>)</a:t>
+            </a:r>
+            <a:r>
+              <a:rPr lang="zh-CN" altLang="zh-CN" sz="1100" dirty="0">
+                <a:solidFill>
+                  <a:srgbClr val="333333"/>
+                </a:solidFill>
+                <a:latin typeface="Lato" panose="020F0502020204030203" pitchFamily="34" charset="0"/>
+              </a:rPr>
+              <a:t> </a:t>
+            </a:r>
+            <a:endParaRPr lang="zh-CN" altLang="zh-CN" sz="1600" dirty="0">
+              <a:latin typeface="Arial" panose="020B0604020202020204" pitchFamily="34" charset="0"/>
+            </a:endParaRPr>
+          </a:p>
+          <a:p>
+            <a:endParaRPr lang="zh-CN" altLang="zh-CN" sz="1100" dirty="0">
+              <a:latin typeface="Arial" panose="020B0604020202020204" pitchFamily="34" charset="0"/>
+            </a:endParaRPr>
+          </a:p>
+        </p:txBody>
+      </p:sp>
+    </p:spTree>
+    <p:extLst>
+      <p:ext uri="{BB962C8B-B14F-4D97-AF65-F5344CB8AC3E}">
+        <p14:creationId xmlns:p14="http://schemas.microsoft.com/office/powerpoint/2010/main" val="819071830"/>
+      </p:ext>
+    </p:extLst>
+  </p:cSld>
+  <p:clrMapOvr>
+    <a:masterClrMapping/>
+  </p:clrMapOvr>
+</p:sld>
+</file>
+
+<file path=ppt/slides/slide3.xml><?xml version="1.0" encoding="utf-8"?>
+<p:sld xmlns:a="http://schemas.openxmlformats.org/drawingml/2006/main" xmlns:r="http://schemas.openxmlformats.org/officeDocument/2006/relationships" xmlns:p="http://schemas.openxmlformats.org/presentationml/2006/main">
+  <p:cSld>
+    <p:spTree>
+      <p:nvGrpSpPr>
+        <p:cNvPr id="1" name=""/>
+        <p:cNvGrpSpPr/>
+        <p:nvPr/>
+      </p:nvGrpSpPr>
+      <p:grpSpPr>
+        <a:xfrm>
+          <a:off x="0" y="0"/>
+          <a:ext cx="0" cy="0"/>
+          <a:chOff x="0" y="0"/>
+          <a:chExt cx="0" cy="0"/>
+        </a:xfrm>
+      </p:grpSpPr>
+      <p:cxnSp>
+        <p:nvCxnSpPr>
+          <p:cNvPr id="5" name="直接连接符 4">
+            <a:extLst>
+              <a:ext uri="{FF2B5EF4-FFF2-40B4-BE49-F238E27FC236}">
+                <a16:creationId xmlns:a16="http://schemas.microsoft.com/office/drawing/2014/main" id="{8BDD9E04-909D-4856-800C-937C46EB2462}"/>
+              </a:ext>
+            </a:extLst>
+          </p:cNvPr>
+          <p:cNvCxnSpPr>
+            <a:cxnSpLocks/>
+          </p:cNvCxnSpPr>
+          <p:nvPr/>
+        </p:nvCxnSpPr>
+        <p:spPr>
+          <a:xfrm>
+            <a:off x="2368234" y="1718606"/>
+            <a:ext cx="0" cy="3088482"/>
+          </a:xfrm>
+          <a:prstGeom prst="line">
+            <a:avLst/>
+          </a:prstGeom>
+          <a:ln w="47625"/>
+        </p:spPr>
+        <p:style>
+          <a:lnRef idx="1">
+            <a:schemeClr val="dk1"/>
+          </a:lnRef>
+          <a:fillRef idx="0">
+            <a:schemeClr val="dk1"/>
+          </a:fillRef>
+          <a:effectRef idx="0">
+            <a:schemeClr val="dk1"/>
+          </a:effectRef>
+          <a:fontRef idx="minor">
+            <a:schemeClr val="tx1"/>
+          </a:fontRef>
+        </p:style>
+      </p:cxnSp>
+      <p:cxnSp>
+        <p:nvCxnSpPr>
+          <p:cNvPr id="9" name="直接连接符 8">
+            <a:extLst>
+              <a:ext uri="{FF2B5EF4-FFF2-40B4-BE49-F238E27FC236}">
+                <a16:creationId xmlns:a16="http://schemas.microsoft.com/office/drawing/2014/main" id="{A2173BDD-5EDB-4CB5-BC3E-446B88E076A7}"/>
+              </a:ext>
+            </a:extLst>
+          </p:cNvPr>
+          <p:cNvCxnSpPr>
+            <a:cxnSpLocks/>
+          </p:cNvCxnSpPr>
+          <p:nvPr/>
+        </p:nvCxnSpPr>
+        <p:spPr>
+          <a:xfrm>
+            <a:off x="6314420" y="1718606"/>
+            <a:ext cx="0" cy="3088482"/>
+          </a:xfrm>
+          <a:prstGeom prst="line">
+            <a:avLst/>
+          </a:prstGeom>
+          <a:ln w="47625"/>
+        </p:spPr>
+        <p:style>
+          <a:lnRef idx="1">
+            <a:schemeClr val="dk1"/>
+          </a:lnRef>
+          <a:fillRef idx="0">
+            <a:schemeClr val="dk1"/>
+          </a:fillRef>
+          <a:effectRef idx="0">
+            <a:schemeClr val="dk1"/>
+          </a:effectRef>
+          <a:fontRef idx="minor">
+            <a:schemeClr val="tx1"/>
+          </a:fontRef>
+        </p:style>
+      </p:cxnSp>
+      <p:sp>
+        <p:nvSpPr>
+          <p:cNvPr id="10" name="文本框 9">
+            <a:extLst>
+              <a:ext uri="{FF2B5EF4-FFF2-40B4-BE49-F238E27FC236}">
+                <a16:creationId xmlns:a16="http://schemas.microsoft.com/office/drawing/2014/main" id="{6029DEAE-7298-4BE0-A964-67D3441684BB}"/>
+              </a:ext>
+            </a:extLst>
+          </p:cNvPr>
+          <p:cNvSpPr txBox="1"/>
+          <p:nvPr/>
+        </p:nvSpPr>
+        <p:spPr>
+          <a:xfrm>
+            <a:off x="5906309" y="1294065"/>
+            <a:ext cx="1473737" cy="400110"/>
+          </a:xfrm>
+          <a:prstGeom prst="rect">
+            <a:avLst/>
+          </a:prstGeom>
+          <a:noFill/>
+        </p:spPr>
+        <p:txBody>
+          <a:bodyPr wrap="square" rtlCol="0">
+            <a:spAutoFit/>
+          </a:bodyPr>
+          <a:lstStyle/>
+          <a:p>
+            <a:r>
+              <a:rPr lang="en-US" altLang="zh-CN" sz="2000" b="1" dirty="0"/>
+              <a:t>Target</a:t>
+            </a:r>
+            <a:endParaRPr lang="zh-CN" altLang="en-US" sz="2000" b="1" dirty="0"/>
+          </a:p>
+        </p:txBody>
+      </p:sp>
+      <p:cxnSp>
+        <p:nvCxnSpPr>
+          <p:cNvPr id="12" name="直接箭头连接符 11">
+            <a:extLst>
+              <a:ext uri="{FF2B5EF4-FFF2-40B4-BE49-F238E27FC236}">
+                <a16:creationId xmlns:a16="http://schemas.microsoft.com/office/drawing/2014/main" id="{67DA7796-96E2-42A0-864D-D64FEB4817C7}"/>
+              </a:ext>
+            </a:extLst>
+          </p:cNvPr>
+          <p:cNvCxnSpPr>
+            <a:cxnSpLocks/>
+          </p:cNvCxnSpPr>
+          <p:nvPr/>
+        </p:nvCxnSpPr>
+        <p:spPr>
+          <a:xfrm>
+            <a:off x="2640160" y="1994170"/>
+            <a:ext cx="3479260" cy="554477"/>
+          </a:xfrm>
+          <a:prstGeom prst="straightConnector1">
+            <a:avLst/>
+          </a:prstGeom>
+          <a:ln>
+            <a:tailEnd type="triangle"/>
+          </a:ln>
+        </p:spPr>
+        <p:style>
+          <a:lnRef idx="1">
+            <a:schemeClr val="dk1"/>
+          </a:lnRef>
+          <a:fillRef idx="0">
+            <a:schemeClr val="dk1"/>
+          </a:fillRef>
+          <a:effectRef idx="0">
+            <a:schemeClr val="dk1"/>
+          </a:effectRef>
+          <a:fontRef idx="minor">
+            <a:schemeClr val="tx1"/>
+          </a:fontRef>
+        </p:style>
+      </p:cxnSp>
+      <p:sp>
+        <p:nvSpPr>
+          <p:cNvPr id="14" name="文本框 13">
+            <a:extLst>
+              <a:ext uri="{FF2B5EF4-FFF2-40B4-BE49-F238E27FC236}">
+                <a16:creationId xmlns:a16="http://schemas.microsoft.com/office/drawing/2014/main" id="{02C19575-54A3-4E5A-9974-183AD3C5CCA5}"/>
+              </a:ext>
+            </a:extLst>
+          </p:cNvPr>
+          <p:cNvSpPr txBox="1"/>
+          <p:nvPr/>
+        </p:nvSpPr>
+        <p:spPr>
+          <a:xfrm rot="585846">
+            <a:off x="3788678" y="1896519"/>
+            <a:ext cx="1182224" cy="369332"/>
+          </a:xfrm>
+          <a:prstGeom prst="rect">
+            <a:avLst/>
+          </a:prstGeom>
+          <a:noFill/>
+        </p:spPr>
+        <p:txBody>
+          <a:bodyPr wrap="square" rtlCol="0">
+            <a:spAutoFit/>
+          </a:bodyPr>
+          <a:lstStyle/>
+          <a:p>
+            <a:r>
+              <a:rPr lang="zh-CN" altLang="en-US" dirty="0"/>
+              <a:t>写寄存器</a:t>
+            </a:r>
+          </a:p>
+        </p:txBody>
+      </p:sp>
+      <p:sp>
+        <p:nvSpPr>
+          <p:cNvPr id="15" name="文本框 14">
+            <a:extLst>
+              <a:ext uri="{FF2B5EF4-FFF2-40B4-BE49-F238E27FC236}">
+                <a16:creationId xmlns:a16="http://schemas.microsoft.com/office/drawing/2014/main" id="{2DE28249-90DB-4EBD-98C7-A18B80C10683}"/>
+              </a:ext>
+            </a:extLst>
+          </p:cNvPr>
+          <p:cNvSpPr txBox="1"/>
+          <p:nvPr/>
+        </p:nvSpPr>
+        <p:spPr>
+          <a:xfrm rot="543861">
+            <a:off x="2875419" y="2277924"/>
+            <a:ext cx="2954601" cy="609026"/>
+          </a:xfrm>
+          <a:prstGeom prst="rect">
+            <a:avLst/>
+          </a:prstGeom>
+          <a:noFill/>
+          <a:scene3d>
+            <a:camera prst="orthographicFront">
+              <a:rot lat="0" lon="0" rev="0"/>
+            </a:camera>
+            <a:lightRig rig="threePt" dir="t"/>
+          </a:scene3d>
+        </p:spPr>
+        <p:txBody>
+          <a:bodyPr wrap="square" rtlCol="0">
+            <a:spAutoFit/>
+          </a:bodyPr>
+          <a:lstStyle/>
+          <a:p>
+            <a:r>
+              <a:rPr lang="zh-CN" altLang="zh-CN" sz="1100" dirty="0">
+                <a:solidFill>
+                  <a:srgbClr val="333333"/>
+                </a:solidFill>
+                <a:latin typeface="Lato" panose="020F0502020204030203" pitchFamily="34" charset="0"/>
+              </a:rPr>
+              <a:t>5A A4 08 00 25 93 00 10 00 01 32 00 00 00</a:t>
+            </a:r>
+            <a:endParaRPr lang="en-US" altLang="zh-CN" sz="1100" dirty="0">
+              <a:solidFill>
+                <a:srgbClr val="333333"/>
+              </a:solidFill>
+              <a:latin typeface="Lato" panose="020F0502020204030203" pitchFamily="34" charset="0"/>
+            </a:endParaRPr>
+          </a:p>
+          <a:p>
+            <a:r>
+              <a:rPr lang="zh-CN" altLang="zh-CN" sz="1100" dirty="0">
+                <a:solidFill>
+                  <a:srgbClr val="333333"/>
+                </a:solidFill>
+                <a:latin typeface="Lato" panose="020F0502020204030203" pitchFamily="34" charset="0"/>
+              </a:rPr>
+              <a:t> </a:t>
+            </a:r>
+            <a:r>
+              <a:rPr lang="en-US" altLang="zh-CN" sz="1100" dirty="0">
+                <a:solidFill>
+                  <a:srgbClr val="333333"/>
+                </a:solidFill>
+                <a:latin typeface="Lato" panose="020F0502020204030203" pitchFamily="34" charset="0"/>
+              </a:rPr>
+              <a:t>(</a:t>
+            </a:r>
+            <a:r>
+              <a:rPr lang="zh-CN" altLang="en-US" sz="1100" dirty="0">
+                <a:solidFill>
+                  <a:srgbClr val="333333"/>
+                </a:solidFill>
+                <a:latin typeface="Lato" panose="020F0502020204030203" pitchFamily="34" charset="0"/>
+              </a:rPr>
+              <a:t>写寄</a:t>
+            </a:r>
+            <a:r>
+              <a:rPr lang="en-US" altLang="zh-CN" sz="1100" dirty="0">
+                <a:solidFill>
+                  <a:srgbClr val="333333"/>
+                </a:solidFill>
+                <a:latin typeface="Lato" panose="020F0502020204030203" pitchFamily="34" charset="0"/>
+              </a:rPr>
+              <a:t>0x10</a:t>
+            </a:r>
+            <a:r>
+              <a:rPr lang="zh-CN" altLang="en-US" sz="1100" dirty="0">
+                <a:solidFill>
+                  <a:srgbClr val="333333"/>
+                </a:solidFill>
+                <a:latin typeface="Lato" panose="020F0502020204030203" pitchFamily="34" charset="0"/>
+              </a:rPr>
+              <a:t>存器</a:t>
+            </a:r>
+            <a:r>
+              <a:rPr lang="en-US" altLang="zh-CN" sz="1100" dirty="0">
+                <a:solidFill>
+                  <a:srgbClr val="333333"/>
+                </a:solidFill>
+                <a:latin typeface="Lato" panose="020F0502020204030203" pitchFamily="34" charset="0"/>
+              </a:rPr>
+              <a:t>, </a:t>
+            </a:r>
+            <a:r>
+              <a:rPr lang="zh-CN" altLang="en-US" sz="1100" dirty="0">
+                <a:solidFill>
+                  <a:srgbClr val="333333"/>
+                </a:solidFill>
+                <a:latin typeface="Lato" panose="020F0502020204030203" pitchFamily="34" charset="0"/>
+              </a:rPr>
+              <a:t>写入</a:t>
+            </a:r>
+            <a:r>
+              <a:rPr lang="en-US" altLang="zh-CN" sz="1100" dirty="0">
+                <a:solidFill>
+                  <a:srgbClr val="333333"/>
+                </a:solidFill>
+                <a:latin typeface="Lato" panose="020F0502020204030203" pitchFamily="34" charset="0"/>
+              </a:rPr>
+              <a:t>50)</a:t>
+            </a:r>
+            <a:endParaRPr lang="zh-CN" altLang="zh-CN" sz="1600" dirty="0">
+              <a:latin typeface="Arial" panose="020B0604020202020204" pitchFamily="34" charset="0"/>
+            </a:endParaRPr>
+          </a:p>
+          <a:p>
+            <a:endParaRPr lang="zh-CN" altLang="zh-CN" sz="1100" dirty="0">
+              <a:latin typeface="Arial" panose="020B0604020202020204" pitchFamily="34" charset="0"/>
+            </a:endParaRPr>
+          </a:p>
+        </p:txBody>
+      </p:sp>
+      <p:cxnSp>
+        <p:nvCxnSpPr>
+          <p:cNvPr id="17" name="直接箭头连接符 16">
+            <a:extLst>
+              <a:ext uri="{FF2B5EF4-FFF2-40B4-BE49-F238E27FC236}">
+                <a16:creationId xmlns:a16="http://schemas.microsoft.com/office/drawing/2014/main" id="{E35ADE81-C0D2-4DBF-87BC-9C3C00CFA63A}"/>
+              </a:ext>
+            </a:extLst>
+          </p:cNvPr>
+          <p:cNvCxnSpPr>
+            <a:cxnSpLocks/>
+          </p:cNvCxnSpPr>
+          <p:nvPr/>
+        </p:nvCxnSpPr>
+        <p:spPr>
+          <a:xfrm flipH="1">
+            <a:off x="2640160" y="3822970"/>
+            <a:ext cx="3455840" cy="486384"/>
+          </a:xfrm>
+          <a:prstGeom prst="straightConnector1">
+            <a:avLst/>
+          </a:prstGeom>
+          <a:ln>
+            <a:tailEnd type="triangle"/>
+          </a:ln>
+        </p:spPr>
+        <p:style>
+          <a:lnRef idx="1">
+            <a:schemeClr val="dk1"/>
+          </a:lnRef>
+          <a:fillRef idx="0">
+            <a:schemeClr val="dk1"/>
+          </a:fillRef>
+          <a:effectRef idx="0">
+            <a:schemeClr val="dk1"/>
+          </a:effectRef>
+          <a:fontRef idx="minor">
+            <a:schemeClr val="tx1"/>
+          </a:fontRef>
+        </p:style>
+      </p:cxnSp>
+      <p:sp>
+        <p:nvSpPr>
+          <p:cNvPr id="23" name="文本框 22">
+            <a:extLst>
+              <a:ext uri="{FF2B5EF4-FFF2-40B4-BE49-F238E27FC236}">
+                <a16:creationId xmlns:a16="http://schemas.microsoft.com/office/drawing/2014/main" id="{79707015-5AAA-4A5C-AC58-AB2A0AE12339}"/>
+              </a:ext>
+            </a:extLst>
+          </p:cNvPr>
+          <p:cNvSpPr txBox="1"/>
+          <p:nvPr/>
+        </p:nvSpPr>
+        <p:spPr>
+          <a:xfrm rot="21124436">
+            <a:off x="3867967" y="3675610"/>
+            <a:ext cx="2198021" cy="369332"/>
+          </a:xfrm>
+          <a:prstGeom prst="rect">
+            <a:avLst/>
+          </a:prstGeom>
+          <a:noFill/>
+        </p:spPr>
+        <p:txBody>
+          <a:bodyPr wrap="square" rtlCol="0">
+            <a:spAutoFit/>
+          </a:bodyPr>
+          <a:lstStyle/>
+          <a:p>
+            <a:r>
+              <a:rPr lang="zh-CN" altLang="en-US" dirty="0"/>
+              <a:t>返回</a:t>
+            </a:r>
+            <a:r>
+              <a:rPr lang="en-US" altLang="zh-CN" dirty="0"/>
+              <a:t>ACK</a:t>
+            </a:r>
+            <a:endParaRPr lang="zh-CN" altLang="en-US" dirty="0"/>
+          </a:p>
+        </p:txBody>
+      </p:sp>
+      <p:sp>
+        <p:nvSpPr>
+          <p:cNvPr id="24" name="文本框 23">
+            <a:extLst>
+              <a:ext uri="{FF2B5EF4-FFF2-40B4-BE49-F238E27FC236}">
+                <a16:creationId xmlns:a16="http://schemas.microsoft.com/office/drawing/2014/main" id="{19C7491A-85F6-46E2-B17E-C3C231F49965}"/>
+              </a:ext>
+            </a:extLst>
+          </p:cNvPr>
+          <p:cNvSpPr txBox="1"/>
+          <p:nvPr/>
+        </p:nvSpPr>
+        <p:spPr>
+          <a:xfrm rot="21116539">
+            <a:off x="4122240" y="4113253"/>
+            <a:ext cx="691413" cy="276999"/>
+          </a:xfrm>
+          <a:prstGeom prst="rect">
+            <a:avLst/>
+          </a:prstGeom>
+          <a:noFill/>
+          <a:scene3d>
+            <a:camera prst="orthographicFront">
+              <a:rot lat="0" lon="0" rev="0"/>
+            </a:camera>
+            <a:lightRig rig="threePt" dir="t"/>
+          </a:scene3d>
+        </p:spPr>
+        <p:txBody>
+          <a:bodyPr wrap="square" rtlCol="0">
+            <a:spAutoFit/>
+          </a:bodyPr>
+          <a:lstStyle/>
+          <a:p>
+            <a:r>
+              <a:rPr lang="en-US" altLang="zh-CN" sz="1200" dirty="0">
+                <a:solidFill>
+                  <a:srgbClr val="333333"/>
+                </a:solidFill>
+                <a:latin typeface="Lato" panose="020F0502020204030203" pitchFamily="34" charset="0"/>
+              </a:rPr>
+              <a:t>5A A1</a:t>
+            </a:r>
+            <a:endParaRPr lang="zh-CN" altLang="zh-CN" sz="1200" dirty="0">
+              <a:latin typeface="Arial" panose="020B0604020202020204" pitchFamily="34" charset="0"/>
+            </a:endParaRPr>
+          </a:p>
+        </p:txBody>
+      </p:sp>
+      <p:pic>
+        <p:nvPicPr>
+          <p:cNvPr id="3" name="图片 2">
+            <a:extLst>
+              <a:ext uri="{FF2B5EF4-FFF2-40B4-BE49-F238E27FC236}">
+                <a16:creationId xmlns:a16="http://schemas.microsoft.com/office/drawing/2014/main" id="{7C3BCF4E-2D80-44D5-BA1F-E78753823B0D}"/>
+              </a:ext>
+            </a:extLst>
+          </p:cNvPr>
+          <p:cNvPicPr>
+            <a:picLocks noChangeAspect="1"/>
+          </p:cNvPicPr>
+          <p:nvPr/>
+        </p:nvPicPr>
+        <p:blipFill>
+          <a:blip r:embed="rId2"/>
+          <a:stretch>
+            <a:fillRect/>
+          </a:stretch>
+        </p:blipFill>
+        <p:spPr>
+          <a:xfrm>
+            <a:off x="2027695" y="1290450"/>
+            <a:ext cx="1542422" cy="536494"/>
+          </a:xfrm>
+          <a:prstGeom prst="rect">
+            <a:avLst/>
+          </a:prstGeom>
+        </p:spPr>
+      </p:pic>
+    </p:spTree>
+    <p:extLst>
+      <p:ext uri="{BB962C8B-B14F-4D97-AF65-F5344CB8AC3E}">
+        <p14:creationId xmlns:p14="http://schemas.microsoft.com/office/powerpoint/2010/main" val="3679053972"/>
+      </p:ext>
+    </p:extLst>
+  </p:cSld>
+  <p:clrMapOvr>
+    <a:masterClrMapping/>
+  </p:clrMapOvr>
+</p:sld>
+</file>
+
 <file path=ppt/theme/theme1.xml><?xml version="1.0" encoding="utf-8"?>
 <a:theme xmlns:a="http://schemas.openxmlformats.org/drawingml/2006/main" name="Office 主题​​">
   <a:themeElements>
